--- a/paper1/worked-example.pptx
+++ b/paper1/worked-example.pptx
@@ -288,7 +288,7 @@
           <a:p>
             <a:fld id="{0A76EA49-31E0-3848-9ADF-F3426262647D}" type="datetimeFigureOut">
               <a:rPr lang="en-US" smtClean="0"/>
-              <a:t>9/16/15</a:t>
+              <a:t>9/29/15</a:t>
             </a:fld>
             <a:endParaRPr lang="en-US"/>
           </a:p>
@@ -458,7 +458,7 @@
           <a:p>
             <a:fld id="{0A76EA49-31E0-3848-9ADF-F3426262647D}" type="datetimeFigureOut">
               <a:rPr lang="en-US" smtClean="0"/>
-              <a:t>9/16/15</a:t>
+              <a:t>9/29/15</a:t>
             </a:fld>
             <a:endParaRPr lang="en-US"/>
           </a:p>
@@ -638,7 +638,7 @@
           <a:p>
             <a:fld id="{0A76EA49-31E0-3848-9ADF-F3426262647D}" type="datetimeFigureOut">
               <a:rPr lang="en-US" smtClean="0"/>
-              <a:t>9/16/15</a:t>
+              <a:t>9/29/15</a:t>
             </a:fld>
             <a:endParaRPr lang="en-US"/>
           </a:p>
@@ -808,7 +808,7 @@
           <a:p>
             <a:fld id="{0A76EA49-31E0-3848-9ADF-F3426262647D}" type="datetimeFigureOut">
               <a:rPr lang="en-US" smtClean="0"/>
-              <a:t>9/16/15</a:t>
+              <a:t>9/29/15</a:t>
             </a:fld>
             <a:endParaRPr lang="en-US"/>
           </a:p>
@@ -1054,7 +1054,7 @@
           <a:p>
             <a:fld id="{0A76EA49-31E0-3848-9ADF-F3426262647D}" type="datetimeFigureOut">
               <a:rPr lang="en-US" smtClean="0"/>
-              <a:t>9/16/15</a:t>
+              <a:t>9/29/15</a:t>
             </a:fld>
             <a:endParaRPr lang="en-US"/>
           </a:p>
@@ -1342,7 +1342,7 @@
           <a:p>
             <a:fld id="{0A76EA49-31E0-3848-9ADF-F3426262647D}" type="datetimeFigureOut">
               <a:rPr lang="en-US" smtClean="0"/>
-              <a:t>9/16/15</a:t>
+              <a:t>9/29/15</a:t>
             </a:fld>
             <a:endParaRPr lang="en-US"/>
           </a:p>
@@ -1764,7 +1764,7 @@
           <a:p>
             <a:fld id="{0A76EA49-31E0-3848-9ADF-F3426262647D}" type="datetimeFigureOut">
               <a:rPr lang="en-US" smtClean="0"/>
-              <a:t>9/16/15</a:t>
+              <a:t>9/29/15</a:t>
             </a:fld>
             <a:endParaRPr lang="en-US"/>
           </a:p>
@@ -1882,7 +1882,7 @@
           <a:p>
             <a:fld id="{0A76EA49-31E0-3848-9ADF-F3426262647D}" type="datetimeFigureOut">
               <a:rPr lang="en-US" smtClean="0"/>
-              <a:t>9/16/15</a:t>
+              <a:t>9/29/15</a:t>
             </a:fld>
             <a:endParaRPr lang="en-US"/>
           </a:p>
@@ -1977,7 +1977,7 @@
           <a:p>
             <a:fld id="{0A76EA49-31E0-3848-9ADF-F3426262647D}" type="datetimeFigureOut">
               <a:rPr lang="en-US" smtClean="0"/>
-              <a:t>9/16/15</a:t>
+              <a:t>9/29/15</a:t>
             </a:fld>
             <a:endParaRPr lang="en-US"/>
           </a:p>
@@ -2254,7 +2254,7 @@
           <a:p>
             <a:fld id="{0A76EA49-31E0-3848-9ADF-F3426262647D}" type="datetimeFigureOut">
               <a:rPr lang="en-US" smtClean="0"/>
-              <a:t>9/16/15</a:t>
+              <a:t>9/29/15</a:t>
             </a:fld>
             <a:endParaRPr lang="en-US"/>
           </a:p>
@@ -2507,7 +2507,7 @@
           <a:p>
             <a:fld id="{0A76EA49-31E0-3848-9ADF-F3426262647D}" type="datetimeFigureOut">
               <a:rPr lang="en-US" smtClean="0"/>
-              <a:t>9/16/15</a:t>
+              <a:t>9/29/15</a:t>
             </a:fld>
             <a:endParaRPr lang="en-US"/>
           </a:p>
@@ -2720,7 +2720,7 @@
           <a:p>
             <a:fld id="{0A76EA49-31E0-3848-9ADF-F3426262647D}" type="datetimeFigureOut">
               <a:rPr lang="en-US" smtClean="0"/>
-              <a:t>9/16/15</a:t>
+              <a:t>9/29/15</a:t>
             </a:fld>
             <a:endParaRPr lang="en-US"/>
           </a:p>
@@ -3419,163 +3419,6 @@
               </a:rPr>
               <a:t>9: }  </a:t>
             </a:r>
-          </a:p>
-        </p:txBody>
-      </p:sp>
-      <p:sp>
-        <p:nvSpPr>
-          <p:cNvPr id="4" name="TextBox 3"/>
-          <p:cNvSpPr txBox="1"/>
-          <p:nvPr/>
-        </p:nvSpPr>
-        <p:spPr>
-          <a:xfrm>
-            <a:off x="5700109" y="1013936"/>
-            <a:ext cx="2224691" cy="738664"/>
-          </a:xfrm>
-          <a:prstGeom prst="rect">
-            <a:avLst/>
-          </a:prstGeom>
-          <a:noFill/>
-        </p:spPr>
-        <p:txBody>
-          <a:bodyPr wrap="square" rtlCol="0">
-            <a:spAutoFit/>
-          </a:bodyPr>
-          <a:lstStyle/>
-          <a:p>
-            <a:r>
-              <a:rPr lang="en-US" sz="1400" dirty="0" smtClean="0"/>
-              <a:t>a is bytes 0..3 of input</a:t>
-            </a:r>
-          </a:p>
-          <a:p>
-            <a:r>
-              <a:rPr lang="en-US" sz="1400" dirty="0" smtClean="0"/>
-              <a:t>b is 4..7, n is 8..11</a:t>
-            </a:r>
-          </a:p>
-          <a:p>
-            <a:r>
-              <a:rPr lang="en-US" sz="1400" dirty="0" smtClean="0"/>
-              <a:t>*s, *d untainted</a:t>
-            </a:r>
-          </a:p>
-        </p:txBody>
-      </p:sp>
-      <p:sp>
-        <p:nvSpPr>
-          <p:cNvPr id="5" name="Rectangle 4"/>
-          <p:cNvSpPr/>
-          <p:nvPr/>
-        </p:nvSpPr>
-        <p:spPr>
-          <a:xfrm>
-            <a:off x="5668545" y="1828800"/>
-            <a:ext cx="930163" cy="307777"/>
-          </a:xfrm>
-          <a:prstGeom prst="rect">
-            <a:avLst/>
-          </a:prstGeom>
-        </p:spPr>
-        <p:txBody>
-          <a:bodyPr wrap="none">
-            <a:spAutoFit/>
-          </a:bodyPr>
-          <a:lstStyle/>
-          <a:p>
-            <a:r>
-              <a:rPr lang="en-US" sz="1400" dirty="0" smtClean="0"/>
-              <a:t>TNC(c) = 1</a:t>
-            </a:r>
-            <a:endParaRPr lang="en-US" sz="1400" dirty="0"/>
-          </a:p>
-        </p:txBody>
-      </p:sp>
-      <p:sp>
-        <p:nvSpPr>
-          <p:cNvPr id="7" name="Rectangle 6"/>
-          <p:cNvSpPr/>
-          <p:nvPr/>
-        </p:nvSpPr>
-        <p:spPr>
-          <a:xfrm>
-            <a:off x="5668545" y="2044895"/>
-            <a:ext cx="1050350" cy="307777"/>
-          </a:xfrm>
-          <a:prstGeom prst="rect">
-            <a:avLst/>
-          </a:prstGeom>
-        </p:spPr>
-        <p:txBody>
-          <a:bodyPr wrap="none">
-            <a:spAutoFit/>
-          </a:bodyPr>
-          <a:lstStyle/>
-          <a:p>
-            <a:r>
-              <a:rPr lang="en-US" sz="1400" dirty="0" smtClean="0"/>
-              <a:t>LIV(0..3) = 1</a:t>
-            </a:r>
-            <a:endParaRPr lang="en-US" sz="1400" dirty="0"/>
-          </a:p>
-        </p:txBody>
-      </p:sp>
-      <p:sp>
-        <p:nvSpPr>
-          <p:cNvPr id="10" name="Rectangle 9"/>
-          <p:cNvSpPr/>
-          <p:nvPr/>
-        </p:nvSpPr>
-        <p:spPr>
-          <a:xfrm>
-            <a:off x="5668545" y="2469081"/>
-            <a:ext cx="1144677" cy="307777"/>
-          </a:xfrm>
-          <a:prstGeom prst="rect">
-            <a:avLst/>
-          </a:prstGeom>
-        </p:spPr>
-        <p:txBody>
-          <a:bodyPr wrap="none">
-            <a:spAutoFit/>
-          </a:bodyPr>
-          <a:lstStyle/>
-          <a:p>
-            <a:r>
-              <a:rPr lang="en-US" sz="1400" dirty="0" smtClean="0"/>
-              <a:t>LIV(8..11) = n</a:t>
-            </a:r>
-            <a:endParaRPr lang="en-US" sz="1400" dirty="0"/>
-          </a:p>
-        </p:txBody>
-      </p:sp>
-      <p:sp>
-        <p:nvSpPr>
-          <p:cNvPr id="11" name="Rectangle 10"/>
-          <p:cNvSpPr/>
-          <p:nvPr/>
-        </p:nvSpPr>
-        <p:spPr>
-          <a:xfrm>
-            <a:off x="5668545" y="2816423"/>
-            <a:ext cx="1113907" cy="307777"/>
-          </a:xfrm>
-          <a:prstGeom prst="rect">
-            <a:avLst/>
-          </a:prstGeom>
-        </p:spPr>
-        <p:txBody>
-          <a:bodyPr wrap="none">
-            <a:spAutoFit/>
-          </a:bodyPr>
-          <a:lstStyle/>
-          <a:p>
-            <a:r>
-              <a:rPr lang="en-US" sz="1400" dirty="0" smtClean="0"/>
-              <a:t>TCN(c) = n+1</a:t>
-            </a:r>
-            <a:endParaRPr lang="en-US" sz="1400" dirty="0"/>
           </a:p>
         </p:txBody>
       </p:sp>
